--- a/7th/7th material.pptx
+++ b/7th/7th material.pptx
@@ -269,7 +269,7 @@
           <a:p>
             <a:fld id="{E586ECCA-37E1-4020-9298-29DECF1B3846}" type="datetimeFigureOut">
               <a:rPr lang="ko-KR" altLang="en-US" smtClean="0"/>
-              <a:t>2020-08-20</a:t>
+              <a:t>2020-08-21</a:t>
             </a:fld>
             <a:endParaRPr lang="ko-KR" altLang="en-US"/>
           </a:p>
@@ -467,7 +467,7 @@
           <a:p>
             <a:fld id="{E586ECCA-37E1-4020-9298-29DECF1B3846}" type="datetimeFigureOut">
               <a:rPr lang="ko-KR" altLang="en-US" smtClean="0"/>
-              <a:t>2020-08-20</a:t>
+              <a:t>2020-08-21</a:t>
             </a:fld>
             <a:endParaRPr lang="ko-KR" altLang="en-US"/>
           </a:p>
@@ -675,7 +675,7 @@
           <a:p>
             <a:fld id="{E586ECCA-37E1-4020-9298-29DECF1B3846}" type="datetimeFigureOut">
               <a:rPr lang="ko-KR" altLang="en-US" smtClean="0"/>
-              <a:t>2020-08-20</a:t>
+              <a:t>2020-08-21</a:t>
             </a:fld>
             <a:endParaRPr lang="ko-KR" altLang="en-US"/>
           </a:p>
@@ -873,7 +873,7 @@
           <a:p>
             <a:fld id="{E586ECCA-37E1-4020-9298-29DECF1B3846}" type="datetimeFigureOut">
               <a:rPr lang="ko-KR" altLang="en-US" smtClean="0"/>
-              <a:t>2020-08-20</a:t>
+              <a:t>2020-08-21</a:t>
             </a:fld>
             <a:endParaRPr lang="ko-KR" altLang="en-US"/>
           </a:p>
@@ -1148,7 +1148,7 @@
           <a:p>
             <a:fld id="{E586ECCA-37E1-4020-9298-29DECF1B3846}" type="datetimeFigureOut">
               <a:rPr lang="ko-KR" altLang="en-US" smtClean="0"/>
-              <a:t>2020-08-20</a:t>
+              <a:t>2020-08-21</a:t>
             </a:fld>
             <a:endParaRPr lang="ko-KR" altLang="en-US"/>
           </a:p>
@@ -1413,7 +1413,7 @@
           <a:p>
             <a:fld id="{E586ECCA-37E1-4020-9298-29DECF1B3846}" type="datetimeFigureOut">
               <a:rPr lang="ko-KR" altLang="en-US" smtClean="0"/>
-              <a:t>2020-08-20</a:t>
+              <a:t>2020-08-21</a:t>
             </a:fld>
             <a:endParaRPr lang="ko-KR" altLang="en-US"/>
           </a:p>
@@ -1825,7 +1825,7 @@
           <a:p>
             <a:fld id="{E586ECCA-37E1-4020-9298-29DECF1B3846}" type="datetimeFigureOut">
               <a:rPr lang="ko-KR" altLang="en-US" smtClean="0"/>
-              <a:t>2020-08-20</a:t>
+              <a:t>2020-08-21</a:t>
             </a:fld>
             <a:endParaRPr lang="ko-KR" altLang="en-US"/>
           </a:p>
@@ -1966,7 +1966,7 @@
           <a:p>
             <a:fld id="{E586ECCA-37E1-4020-9298-29DECF1B3846}" type="datetimeFigureOut">
               <a:rPr lang="ko-KR" altLang="en-US" smtClean="0"/>
-              <a:t>2020-08-20</a:t>
+              <a:t>2020-08-21</a:t>
             </a:fld>
             <a:endParaRPr lang="ko-KR" altLang="en-US"/>
           </a:p>
@@ -2079,7 +2079,7 @@
           <a:p>
             <a:fld id="{E586ECCA-37E1-4020-9298-29DECF1B3846}" type="datetimeFigureOut">
               <a:rPr lang="ko-KR" altLang="en-US" smtClean="0"/>
-              <a:t>2020-08-20</a:t>
+              <a:t>2020-08-21</a:t>
             </a:fld>
             <a:endParaRPr lang="ko-KR" altLang="en-US"/>
           </a:p>
@@ -2390,7 +2390,7 @@
           <a:p>
             <a:fld id="{E586ECCA-37E1-4020-9298-29DECF1B3846}" type="datetimeFigureOut">
               <a:rPr lang="ko-KR" altLang="en-US" smtClean="0"/>
-              <a:t>2020-08-20</a:t>
+              <a:t>2020-08-21</a:t>
             </a:fld>
             <a:endParaRPr lang="ko-KR" altLang="en-US"/>
           </a:p>
@@ -2678,7 +2678,7 @@
           <a:p>
             <a:fld id="{E586ECCA-37E1-4020-9298-29DECF1B3846}" type="datetimeFigureOut">
               <a:rPr lang="ko-KR" altLang="en-US" smtClean="0"/>
-              <a:t>2020-08-20</a:t>
+              <a:t>2020-08-21</a:t>
             </a:fld>
             <a:endParaRPr lang="ko-KR" altLang="en-US"/>
           </a:p>
@@ -2919,7 +2919,7 @@
           <a:p>
             <a:fld id="{E586ECCA-37E1-4020-9298-29DECF1B3846}" type="datetimeFigureOut">
               <a:rPr lang="ko-KR" altLang="en-US" smtClean="0"/>
-              <a:t>2020-08-20</a:t>
+              <a:t>2020-08-21</a:t>
             </a:fld>
             <a:endParaRPr lang="ko-KR" altLang="en-US"/>
           </a:p>
@@ -3604,7 +3604,7 @@
             </a:r>
             <a:r>
               <a:rPr lang="ko-KR" altLang="en-US" dirty="0"/>
-              <a:t>을 활용하여 채팅방을 만들고 생성된 채팅방들을 리스트로 보여줄 예정</a:t>
+              <a:t>을 활용하여 채팅방을 만들고 생성된 채팅방들의 리스트로 보여줄 예정</a:t>
             </a:r>
             <a:endParaRPr lang="en-US" altLang="ko-KR" dirty="0"/>
           </a:p>
@@ -4104,7 +4104,15 @@
           <a:p>
             <a:r>
               <a:rPr lang="ko-KR" altLang="en-US" dirty="0"/>
-              <a:t>사용자에게 보여지는 클래스를 정의</a:t>
+              <a:t>사용자에게 보여지는 컨테이너</a:t>
+            </a:r>
+            <a:r>
+              <a:rPr lang="en-US" altLang="ko-KR" dirty="0"/>
+              <a:t>,</a:t>
+            </a:r>
+            <a:r>
+              <a:rPr lang="ko-KR" altLang="en-US" dirty="0"/>
+              <a:t>컴포넌트 클래스를 정의</a:t>
             </a:r>
             <a:endParaRPr lang="en-US" altLang="ko-KR" dirty="0"/>
           </a:p>
@@ -5262,7 +5270,7 @@
         </p:blipFill>
         <p:spPr>
           <a:xfrm>
-            <a:off x="1102855" y="1532603"/>
+            <a:off x="1131731" y="1460901"/>
             <a:ext cx="5454930" cy="1689187"/>
           </a:xfrm>
           <a:prstGeom prst="rect">
